--- a/Pictures/Figures/Figure 15.pptx
+++ b/Pictures/Figures/Figure 15.pptx
@@ -197,7 +197,7 @@
           <a:p>
             <a:fld id="{909F552A-A5DF-434C-8A11-28744204938F}" type="datetimeFigureOut">
               <a:rPr lang="en-US" smtClean="0"/>
-              <a:t>11/4/2022</a:t>
+              <a:t>11/7/2022</a:t>
             </a:fld>
             <a:endParaRPr lang="en-US"/>
           </a:p>
@@ -679,7 +679,7 @@
           <a:p>
             <a:fld id="{DF659CEE-7ED8-4475-A00F-9EBDFFED20DC}" type="datetimeFigureOut">
               <a:rPr lang="en-US" smtClean="0"/>
-              <a:t>11/4/2022</a:t>
+              <a:t>11/7/2022</a:t>
             </a:fld>
             <a:endParaRPr lang="en-US"/>
           </a:p>
@@ -849,7 +849,7 @@
           <a:p>
             <a:fld id="{DF659CEE-7ED8-4475-A00F-9EBDFFED20DC}" type="datetimeFigureOut">
               <a:rPr lang="en-US" smtClean="0"/>
-              <a:t>11/4/2022</a:t>
+              <a:t>11/7/2022</a:t>
             </a:fld>
             <a:endParaRPr lang="en-US"/>
           </a:p>
@@ -1029,7 +1029,7 @@
           <a:p>
             <a:fld id="{DF659CEE-7ED8-4475-A00F-9EBDFFED20DC}" type="datetimeFigureOut">
               <a:rPr lang="en-US" smtClean="0"/>
-              <a:t>11/4/2022</a:t>
+              <a:t>11/7/2022</a:t>
             </a:fld>
             <a:endParaRPr lang="en-US"/>
           </a:p>
@@ -1199,7 +1199,7 @@
           <a:p>
             <a:fld id="{DF659CEE-7ED8-4475-A00F-9EBDFFED20DC}" type="datetimeFigureOut">
               <a:rPr lang="en-US" smtClean="0"/>
-              <a:t>11/4/2022</a:t>
+              <a:t>11/7/2022</a:t>
             </a:fld>
             <a:endParaRPr lang="en-US"/>
           </a:p>
@@ -1445,7 +1445,7 @@
           <a:p>
             <a:fld id="{DF659CEE-7ED8-4475-A00F-9EBDFFED20DC}" type="datetimeFigureOut">
               <a:rPr lang="en-US" smtClean="0"/>
-              <a:t>11/4/2022</a:t>
+              <a:t>11/7/2022</a:t>
             </a:fld>
             <a:endParaRPr lang="en-US"/>
           </a:p>
@@ -1677,7 +1677,7 @@
           <a:p>
             <a:fld id="{DF659CEE-7ED8-4475-A00F-9EBDFFED20DC}" type="datetimeFigureOut">
               <a:rPr lang="en-US" smtClean="0"/>
-              <a:t>11/4/2022</a:t>
+              <a:t>11/7/2022</a:t>
             </a:fld>
             <a:endParaRPr lang="en-US"/>
           </a:p>
@@ -2044,7 +2044,7 @@
           <a:p>
             <a:fld id="{DF659CEE-7ED8-4475-A00F-9EBDFFED20DC}" type="datetimeFigureOut">
               <a:rPr lang="en-US" smtClean="0"/>
-              <a:t>11/4/2022</a:t>
+              <a:t>11/7/2022</a:t>
             </a:fld>
             <a:endParaRPr lang="en-US"/>
           </a:p>
@@ -2162,7 +2162,7 @@
           <a:p>
             <a:fld id="{DF659CEE-7ED8-4475-A00F-9EBDFFED20DC}" type="datetimeFigureOut">
               <a:rPr lang="en-US" smtClean="0"/>
-              <a:t>11/4/2022</a:t>
+              <a:t>11/7/2022</a:t>
             </a:fld>
             <a:endParaRPr lang="en-US"/>
           </a:p>
@@ -2257,7 +2257,7 @@
           <a:p>
             <a:fld id="{DF659CEE-7ED8-4475-A00F-9EBDFFED20DC}" type="datetimeFigureOut">
               <a:rPr lang="en-US" smtClean="0"/>
-              <a:t>11/4/2022</a:t>
+              <a:t>11/7/2022</a:t>
             </a:fld>
             <a:endParaRPr lang="en-US"/>
           </a:p>
@@ -2534,7 +2534,7 @@
           <a:p>
             <a:fld id="{DF659CEE-7ED8-4475-A00F-9EBDFFED20DC}" type="datetimeFigureOut">
               <a:rPr lang="en-US" smtClean="0"/>
-              <a:t>11/4/2022</a:t>
+              <a:t>11/7/2022</a:t>
             </a:fld>
             <a:endParaRPr lang="en-US"/>
           </a:p>
@@ -2791,7 +2791,7 @@
           <a:p>
             <a:fld id="{DF659CEE-7ED8-4475-A00F-9EBDFFED20DC}" type="datetimeFigureOut">
               <a:rPr lang="en-US" smtClean="0"/>
-              <a:t>11/4/2022</a:t>
+              <a:t>11/7/2022</a:t>
             </a:fld>
             <a:endParaRPr lang="en-US"/>
           </a:p>
@@ -3004,7 +3004,7 @@
           <a:p>
             <a:fld id="{DF659CEE-7ED8-4475-A00F-9EBDFFED20DC}" type="datetimeFigureOut">
               <a:rPr lang="en-US" smtClean="0"/>
-              <a:t>11/4/2022</a:t>
+              <a:t>11/7/2022</a:t>
             </a:fld>
             <a:endParaRPr lang="en-US"/>
           </a:p>
@@ -3534,7 +3534,7 @@
                 <a:latin typeface="Arial" panose="020B0604020202020204" pitchFamily="34" charset="0"/>
                 <a:cs typeface="Arial" panose="020B0604020202020204" pitchFamily="34" charset="0"/>
               </a:rPr>
-              <a:t>(A) Tall Box Rotated Layers</a:t>
+              <a:t>(A) Tall Box Rotated Jobs</a:t>
             </a:r>
           </a:p>
         </p:txBody>
@@ -3579,11 +3579,18 @@
           <a:p>
             <a:pPr algn="ctr"/>
             <a:r>
+              <a:rPr lang="en-US">
+                <a:latin typeface="Arial" panose="020B0604020202020204" pitchFamily="34" charset="0"/>
+                <a:cs typeface="Arial" panose="020B0604020202020204" pitchFamily="34" charset="0"/>
+              </a:rPr>
+              <a:t>Jobs </a:t>
+            </a:r>
+            <a:r>
               <a:rPr lang="en-US" dirty="0">
                 <a:latin typeface="Arial" panose="020B0604020202020204" pitchFamily="34" charset="0"/>
                 <a:cs typeface="Arial" panose="020B0604020202020204" pitchFamily="34" charset="0"/>
               </a:rPr>
-              <a:t>Layers 0-3</a:t>
+              <a:t>0-3</a:t>
             </a:r>
           </a:p>
         </p:txBody>
